--- a/Reshma naan mudhalvan project 2.pptx
+++ b/Reshma naan mudhalvan project 2.pptx
@@ -249,7 +249,7 @@
           <a:p>
             <a:fld id="{84B86612-B127-4CD0-BF15-66D49A7175F7}" type="datetimeFigureOut">
               <a:rPr lang="en-IN" smtClean="0"/>
-              <a:t>06-09-2024</a:t>
+              <a:t>10-09-2024</a:t>
             </a:fld>
             <a:endParaRPr lang="en-IN"/>
           </a:p>
@@ -814,7 +814,7 @@
           <a:p>
             <a:fld id="{1D8BD707-D9CF-40AE-B4C6-C98DA3205C09}" type="datetimeFigureOut">
               <a:rPr lang="en-US" smtClean="0"/>
-              <a:t>9/6/2024</a:t>
+              <a:t>9/10/2024</a:t>
             </a:fld>
             <a:endParaRPr lang="en-US"/>
           </a:p>
@@ -1113,7 +1113,7 @@
           <a:p>
             <a:fld id="{1D8BD707-D9CF-40AE-B4C6-C98DA3205C09}" type="datetimeFigureOut">
               <a:rPr lang="en-US" smtClean="0"/>
-              <a:t>9/6/2024</a:t>
+              <a:t>9/10/2024</a:t>
             </a:fld>
             <a:endParaRPr lang="en-US"/>
           </a:p>
@@ -1380,7 +1380,7 @@
           <a:p>
             <a:fld id="{1D8BD707-D9CF-40AE-B4C6-C98DA3205C09}" type="datetimeFigureOut">
               <a:rPr lang="en-US" smtClean="0"/>
-              <a:t>9/6/2024</a:t>
+              <a:t>9/10/2024</a:t>
             </a:fld>
             <a:endParaRPr lang="en-US"/>
           </a:p>
@@ -1857,7 +1857,7 @@
           <a:p>
             <a:fld id="{1D8BD707-D9CF-40AE-B4C6-C98DA3205C09}" type="datetimeFigureOut">
               <a:rPr lang="en-US" smtClean="0"/>
-              <a:t>9/6/2024</a:t>
+              <a:t>9/10/2024</a:t>
             </a:fld>
             <a:endParaRPr lang="en-US"/>
           </a:p>
@@ -2045,7 +2045,7 @@
           <a:p>
             <a:fld id="{1D8BD707-D9CF-40AE-B4C6-C98DA3205C09}" type="datetimeFigureOut">
               <a:rPr lang="en-US" smtClean="0"/>
-              <a:t>9/6/2024</a:t>
+              <a:t>9/10/2024</a:t>
             </a:fld>
             <a:endParaRPr lang="en-US"/>
           </a:p>
@@ -2629,7 +2629,7 @@
           <a:p>
             <a:fld id="{1D8BD707-D9CF-40AE-B4C6-C98DA3205C09}" type="datetimeFigureOut">
               <a:rPr lang="en-US" smtClean="0"/>
-              <a:t>9/6/2024</a:t>
+              <a:t>9/10/2024</a:t>
             </a:fld>
             <a:endParaRPr lang="en-US"/>
           </a:p>
@@ -2969,7 +2969,7 @@
           <a:p>
             <a:fld id="{1D8BD707-D9CF-40AE-B4C6-C98DA3205C09}" type="datetimeFigureOut">
               <a:rPr lang="en-US" smtClean="0"/>
-              <a:t>9/6/2024</a:t>
+              <a:t>9/10/2024</a:t>
             </a:fld>
             <a:endParaRPr lang="en-US"/>
           </a:p>
@@ -3152,7 +3152,7 @@
           <a:p>
             <a:fld id="{1D8BD707-D9CF-40AE-B4C6-C98DA3205C09}" type="datetimeFigureOut">
               <a:rPr lang="en-US" smtClean="0"/>
-              <a:t>9/6/2024</a:t>
+              <a:t>9/10/2024</a:t>
             </a:fld>
             <a:endParaRPr lang="en-US"/>
           </a:p>
@@ -3340,7 +3340,7 @@
           <a:p>
             <a:fld id="{1D8BD707-D9CF-40AE-B4C6-C98DA3205C09}" type="datetimeFigureOut">
               <a:rPr lang="en-US" smtClean="0"/>
-              <a:t>9/6/2024</a:t>
+              <a:t>9/10/2024</a:t>
             </a:fld>
             <a:endParaRPr lang="en-US"/>
           </a:p>
@@ -3518,7 +3518,7 @@
           <a:p>
             <a:fld id="{1D8BD707-D9CF-40AE-B4C6-C98DA3205C09}" type="datetimeFigureOut">
               <a:rPr lang="en-US" smtClean="0"/>
-              <a:t>9/6/2024</a:t>
+              <a:t>9/10/2024</a:t>
             </a:fld>
             <a:endParaRPr lang="en-US"/>
           </a:p>
@@ -3783,7 +3783,7 @@
           <a:p>
             <a:fld id="{1D8BD707-D9CF-40AE-B4C6-C98DA3205C09}" type="datetimeFigureOut">
               <a:rPr lang="en-US" smtClean="0"/>
-              <a:t>9/6/2024</a:t>
+              <a:t>9/10/2024</a:t>
             </a:fld>
             <a:endParaRPr lang="en-US"/>
           </a:p>
@@ -4083,7 +4083,7 @@
           <a:p>
             <a:fld id="{1D8BD707-D9CF-40AE-B4C6-C98DA3205C09}" type="datetimeFigureOut">
               <a:rPr lang="en-US" smtClean="0"/>
-              <a:t>9/6/2024</a:t>
+              <a:t>9/10/2024</a:t>
             </a:fld>
             <a:endParaRPr lang="en-US"/>
           </a:p>
@@ -4521,7 +4521,7 @@
           <a:p>
             <a:fld id="{1D8BD707-D9CF-40AE-B4C6-C98DA3205C09}" type="datetimeFigureOut">
               <a:rPr lang="en-US" smtClean="0"/>
-              <a:t>9/6/2024</a:t>
+              <a:t>9/10/2024</a:t>
             </a:fld>
             <a:endParaRPr lang="en-US"/>
           </a:p>
@@ -4647,7 +4647,7 @@
           <a:p>
             <a:fld id="{1D8BD707-D9CF-40AE-B4C6-C98DA3205C09}" type="datetimeFigureOut">
               <a:rPr lang="en-US" smtClean="0"/>
-              <a:t>9/6/2024</a:t>
+              <a:t>9/10/2024</a:t>
             </a:fld>
             <a:endParaRPr lang="en-US"/>
           </a:p>
@@ -4750,7 +4750,7 @@
           <a:p>
             <a:fld id="{1D8BD707-D9CF-40AE-B4C6-C98DA3205C09}" type="datetimeFigureOut">
               <a:rPr lang="en-US" smtClean="0"/>
-              <a:t>9/6/2024</a:t>
+              <a:t>9/10/2024</a:t>
             </a:fld>
             <a:endParaRPr lang="en-US"/>
           </a:p>
@@ -5041,7 +5041,7 @@
           <a:p>
             <a:fld id="{1D8BD707-D9CF-40AE-B4C6-C98DA3205C09}" type="datetimeFigureOut">
               <a:rPr lang="en-US" smtClean="0"/>
-              <a:t>9/6/2024</a:t>
+              <a:t>9/10/2024</a:t>
             </a:fld>
             <a:endParaRPr lang="en-US"/>
           </a:p>
@@ -5340,7 +5340,7 @@
           <a:p>
             <a:fld id="{1D8BD707-D9CF-40AE-B4C6-C98DA3205C09}" type="datetimeFigureOut">
               <a:rPr lang="en-US" smtClean="0"/>
-              <a:t>9/6/2024</a:t>
+              <a:t>9/10/2024</a:t>
             </a:fld>
             <a:endParaRPr lang="en-US"/>
           </a:p>
@@ -5579,7 +5579,7 @@
           <a:p>
             <a:fld id="{1D8BD707-D9CF-40AE-B4C6-C98DA3205C09}" type="datetimeFigureOut">
               <a:rPr lang="en-US" smtClean="0"/>
-              <a:t>9/6/2024</a:t>
+              <a:t>9/10/2024</a:t>
             </a:fld>
             <a:endParaRPr lang="en-US"/>
           </a:p>
@@ -6683,8 +6683,8 @@
         </p:nvSpPr>
         <p:spPr>
           <a:xfrm>
-            <a:off x="1620982" y="3044663"/>
-            <a:ext cx="8610600" cy="2739211"/>
+            <a:off x="2139660" y="2895600"/>
+            <a:ext cx="8610600" cy="3600986"/>
           </a:xfrm>
           <a:prstGeom prst="rect">
             <a:avLst/>
@@ -6720,15 +6720,17 @@
           <a:p>
             <a:r>
               <a:rPr lang="en-US" sz="2400" dirty="0" smtClean="0"/>
-              <a:t>NAAN </a:t>
-            </a:r>
-            <a:r>
-              <a:rPr lang="en-US" sz="2400" dirty="0" smtClean="0"/>
-              <a:t>MUDHALVAN USERNAME:</a:t>
+              <a:t>NAAN MUDHALVAN USERNAME:</a:t>
             </a:r>
             <a:r>
               <a:rPr lang="en-IN" sz="2800" dirty="0" smtClean="0"/>
               <a:t>asunm219unm219ncas2225cc11520</a:t>
+            </a:r>
+          </a:p>
+          <a:p>
+            <a:r>
+              <a:rPr lang="en-US" sz="2800" dirty="0"/>
+              <a:t>NAAN MUDHALAVAN ID:068F97A697CA0E7BFF74A0C4573B79E3</a:t>
             </a:r>
             <a:endParaRPr lang="en-US" sz="2800" dirty="0"/>
           </a:p>
